--- a/assets/slides/ARM_working_group.pptx
+++ b/assets/slides/ARM_working_group.pptx
@@ -3447,12 +3447,6 @@
           <a:p>
             <a:r>
               <a:rPr lang="en-US" dirty="0" smtClean="0"/>
-              <a:t>Gauge interest in ARM clusters outside of Japan &amp; Barcelona</a:t>
-            </a:r>
-          </a:p>
-          <a:p>
-            <a:r>
-              <a:rPr lang="en-US" dirty="0"/>
               <a:t>W</a:t>
             </a:r>
             <a:r>
@@ -3540,6 +3534,13 @@
   <p:clrMapOvr>
     <a:masterClrMapping/>
   </p:clrMapOvr>
+  <p:timing>
+    <p:tnLst>
+      <p:par>
+        <p:cTn id="1" dur="indefinite" restart="never" nodeType="tmRoot"/>
+      </p:par>
+    </p:tnLst>
+  </p:timing>
 </p:sld>
 </file>
 
@@ -3596,7 +3597,7 @@
         <p:spPr/>
         <p:txBody>
           <a:bodyPr>
-            <a:normAutofit fontScale="70000" lnSpcReduction="20000"/>
+            <a:normAutofit fontScale="62500" lnSpcReduction="20000"/>
           </a:bodyPr>
           <a:lstStyle/>
           <a:p>
@@ -3673,11 +3674,13 @@
             </a:r>
             <a:r>
               <a:rPr lang="en-US" dirty="0" smtClean="0"/>
-              <a:t> is currently using native perf for both x86 and </a:t>
-            </a:r>
-            <a:r>
-              <a:rPr lang="en-US" smtClean="0"/>
-              <a:t>ARM.</a:t>
+              <a:t> is currently using native perf for both x86 and ARM.</a:t>
+            </a:r>
+          </a:p>
+          <a:p>
+            <a:r>
+              <a:rPr lang="en-US" smtClean="0"/>
+              <a:t>Liquid getting ported to ARM</a:t>
             </a:r>
             <a:endParaRPr lang="en-US" dirty="0" smtClean="0"/>
           </a:p>
@@ -3773,6 +3776,13 @@
   <p:clrMapOvr>
     <a:masterClrMapping/>
   </p:clrMapOvr>
+  <p:timing>
+    <p:tnLst>
+      <p:par>
+        <p:cTn id="1" dur="indefinite" restart="never" nodeType="tmRoot"/>
+      </p:par>
+    </p:tnLst>
+  </p:timing>
 </p:sld>
 </file>
 
